--- a/Local stack.pptx
+++ b/Local stack.pptx
@@ -16798,8 +16798,8 @@
         </p:blipFill>
         <p:spPr bwMode="auto">
           <a:xfrm>
-            <a:off x="488291" y="1057674"/>
-            <a:ext cx="5173792" cy="3895326"/>
+            <a:off x="1168015" y="785962"/>
+            <a:ext cx="6496169" cy="4890938"/>
           </a:xfrm>
           <a:prstGeom prst="rect">
             <a:avLst/>
